--- a/Presentatie Slides JSMR.pptx
+++ b/Presentatie Slides JSMR.pptx
@@ -5,22 +5,23 @@
     <p:sldMasterId id="2147483714" r:id="rId1"/>
   </p:sldMasterIdLst>
   <p:notesMasterIdLst>
-    <p:notesMasterId r:id="rId15"/>
+    <p:notesMasterId r:id="rId16"/>
   </p:notesMasterIdLst>
   <p:sldIdLst>
     <p:sldId id="257" r:id="rId2"/>
     <p:sldId id="258" r:id="rId3"/>
     <p:sldId id="259" r:id="rId4"/>
     <p:sldId id="271" r:id="rId5"/>
-    <p:sldId id="272" r:id="rId6"/>
-    <p:sldId id="273" r:id="rId7"/>
-    <p:sldId id="274" r:id="rId8"/>
-    <p:sldId id="275" r:id="rId9"/>
-    <p:sldId id="276" r:id="rId10"/>
-    <p:sldId id="270" r:id="rId11"/>
-    <p:sldId id="268" r:id="rId12"/>
-    <p:sldId id="269" r:id="rId13"/>
-    <p:sldId id="277" r:id="rId14"/>
+    <p:sldId id="278" r:id="rId6"/>
+    <p:sldId id="272" r:id="rId7"/>
+    <p:sldId id="273" r:id="rId8"/>
+    <p:sldId id="274" r:id="rId9"/>
+    <p:sldId id="275" r:id="rId10"/>
+    <p:sldId id="276" r:id="rId11"/>
+    <p:sldId id="270" r:id="rId12"/>
+    <p:sldId id="268" r:id="rId13"/>
+    <p:sldId id="269" r:id="rId14"/>
+    <p:sldId id="277" r:id="rId15"/>
   </p:sldIdLst>
   <p:sldSz cx="12192000" cy="6858000"/>
   <p:notesSz cx="6858000" cy="9144000"/>
@@ -209,7 +210,7 @@
           <a:p>
             <a:fld id="{E503A189-614F-4E66-BC0F-E0166BB361FB}" type="datetimeFigureOut">
               <a:rPr lang="nl-NL" smtClean="0"/>
-              <a:t>17-12-2018</a:t>
+              <a:t>18-12-2018</a:t>
             </a:fld>
             <a:endParaRPr lang="nl-NL"/>
           </a:p>
@@ -523,7 +524,39 @@
           <a:p>
             <a:r>
               <a:rPr lang="en-US" dirty="0" err="1"/>
-              <a:t>Zebez</a:t>
+              <a:t>Kort</a:t>
+            </a:r>
+            <a:r>
+              <a:rPr lang="en-US" dirty="0"/>
+              <a:t> </a:t>
+            </a:r>
+            <a:r>
+              <a:rPr lang="en-US" dirty="0" err="1"/>
+              <a:t>aanwijzen</a:t>
+            </a:r>
+            <a:r>
+              <a:rPr lang="en-US" dirty="0"/>
+              <a:t> </a:t>
+            </a:r>
+            <a:r>
+              <a:rPr lang="en-US" dirty="0" err="1"/>
+              <a:t>naar</a:t>
+            </a:r>
+            <a:r>
+              <a:rPr lang="en-US" dirty="0"/>
+              <a:t> het Plaatje, </a:t>
+            </a:r>
+            <a:r>
+              <a:rPr lang="en-US" dirty="0" err="1"/>
+              <a:t>bij</a:t>
+            </a:r>
+            <a:r>
+              <a:rPr lang="en-US" dirty="0"/>
+              <a:t> </a:t>
+            </a:r>
+            <a:r>
+              <a:rPr lang="en-US" dirty="0" err="1"/>
+              <a:t>uitleg</a:t>
             </a:r>
             <a:endParaRPr lang="nl-NL" dirty="0"/>
           </a:p>
@@ -609,6 +642,367 @@
           <a:bodyPr/>
           <a:lstStyle/>
           <a:p>
+            <a:r>
+              <a:rPr lang="en-US" dirty="0" err="1"/>
+              <a:t>Wijs</a:t>
+            </a:r>
+            <a:r>
+              <a:rPr lang="en-US" dirty="0"/>
+              <a:t> </a:t>
+            </a:r>
+            <a:r>
+              <a:rPr lang="en-US" dirty="0" err="1"/>
+              <a:t>bij</a:t>
+            </a:r>
+            <a:r>
+              <a:rPr lang="en-US" dirty="0"/>
+              <a:t> de </a:t>
+            </a:r>
+            <a:r>
+              <a:rPr lang="en-US" dirty="0" err="1"/>
+              <a:t>grafiek</a:t>
+            </a:r>
+            <a:r>
+              <a:rPr lang="en-US" dirty="0"/>
+              <a:t> </a:t>
+            </a:r>
+            <a:r>
+              <a:rPr lang="en-US" dirty="0" err="1"/>
+              <a:t>aan</a:t>
+            </a:r>
+            <a:r>
+              <a:rPr lang="en-US" dirty="0"/>
+              <a:t> </a:t>
+            </a:r>
+            <a:r>
+              <a:rPr lang="en-US" dirty="0" err="1"/>
+              <a:t>dat</a:t>
+            </a:r>
+            <a:r>
+              <a:rPr lang="en-US" dirty="0"/>
+              <a:t> </a:t>
+            </a:r>
+            <a:r>
+              <a:rPr lang="en-US" dirty="0" err="1"/>
+              <a:t>bij</a:t>
+            </a:r>
+            <a:r>
+              <a:rPr lang="en-US" dirty="0"/>
+              <a:t> elk </a:t>
+            </a:r>
+            <a:r>
+              <a:rPr lang="en-US" dirty="0" err="1"/>
+              <a:t>deel</a:t>
+            </a:r>
+            <a:r>
+              <a:rPr lang="en-US" dirty="0"/>
+              <a:t> de </a:t>
+            </a:r>
+            <a:r>
+              <a:rPr lang="en-US" dirty="0" err="1"/>
+              <a:t>waardes</a:t>
+            </a:r>
+            <a:r>
+              <a:rPr lang="en-US" dirty="0"/>
+              <a:t> lager </a:t>
+            </a:r>
+            <a:r>
+              <a:rPr lang="en-US" dirty="0" err="1"/>
+              <a:t>worden</a:t>
+            </a:r>
+            <a:endParaRPr lang="nl-NL" dirty="0"/>
+          </a:p>
+        </p:txBody>
+      </p:sp>
+      <p:sp>
+        <p:nvSpPr>
+          <p:cNvPr id="4" name="Slide Number Placeholder 3"/>
+          <p:cNvSpPr>
+            <a:spLocks noGrp="1"/>
+          </p:cNvSpPr>
+          <p:nvPr>
+            <p:ph type="sldNum" sz="quarter" idx="5"/>
+          </p:nvPr>
+        </p:nvSpPr>
+        <p:spPr/>
+        <p:txBody>
+          <a:bodyPr/>
+          <a:lstStyle/>
+          <a:p>
+            <a:fld id="{7E89BABF-119A-4ABA-81FB-ADE9A0136724}" type="slidenum">
+              <a:rPr lang="nl-NL" smtClean="0"/>
+              <a:t>12</a:t>
+            </a:fld>
+            <a:endParaRPr lang="nl-NL"/>
+          </a:p>
+        </p:txBody>
+      </p:sp>
+    </p:spTree>
+    <p:extLst>
+      <p:ext uri="{BB962C8B-B14F-4D97-AF65-F5344CB8AC3E}">
+        <p14:creationId xmlns:p14="http://schemas.microsoft.com/office/powerpoint/2010/main" val="1777782904"/>
+      </p:ext>
+    </p:extLst>
+  </p:cSld>
+  <p:clrMapOvr>
+    <a:masterClrMapping/>
+  </p:clrMapOvr>
+</p:notes>
+</file>
+
+<file path=ppt/notesSlides/notesSlide11.xml><?xml version="1.0" encoding="utf-8"?>
+<p:notes xmlns:a="http://schemas.openxmlformats.org/drawingml/2006/main" xmlns:r="http://schemas.openxmlformats.org/officeDocument/2006/relationships" xmlns:p="http://schemas.openxmlformats.org/presentationml/2006/main">
+  <p:cSld>
+    <p:spTree>
+      <p:nvGrpSpPr>
+        <p:cNvPr id="1" name=""/>
+        <p:cNvGrpSpPr/>
+        <p:nvPr/>
+      </p:nvGrpSpPr>
+      <p:grpSpPr>
+        <a:xfrm>
+          <a:off x="0" y="0"/>
+          <a:ext cx="0" cy="0"/>
+          <a:chOff x="0" y="0"/>
+          <a:chExt cx="0" cy="0"/>
+        </a:xfrm>
+      </p:grpSpPr>
+      <p:sp>
+        <p:nvSpPr>
+          <p:cNvPr id="2" name="Slide Image Placeholder 1"/>
+          <p:cNvSpPr>
+            <a:spLocks noGrp="1" noRot="1" noChangeAspect="1"/>
+          </p:cNvSpPr>
+          <p:nvPr>
+            <p:ph type="sldImg"/>
+          </p:nvPr>
+        </p:nvSpPr>
+        <p:spPr/>
+      </p:sp>
+      <p:sp>
+        <p:nvSpPr>
+          <p:cNvPr id="3" name="Notes Placeholder 2"/>
+          <p:cNvSpPr>
+            <a:spLocks noGrp="1"/>
+          </p:cNvSpPr>
+          <p:nvPr>
+            <p:ph type="body" idx="1"/>
+          </p:nvPr>
+        </p:nvSpPr>
+        <p:spPr/>
+        <p:txBody>
+          <a:bodyPr/>
+          <a:lstStyle/>
+          <a:p>
+            <a:r>
+              <a:rPr lang="en-US" dirty="0" err="1"/>
+              <a:t>Vertel</a:t>
+            </a:r>
+            <a:r>
+              <a:rPr lang="en-US" dirty="0"/>
+              <a:t> </a:t>
+            </a:r>
+            <a:r>
+              <a:rPr lang="en-US" dirty="0" err="1"/>
+              <a:t>waar</a:t>
+            </a:r>
+            <a:r>
+              <a:rPr lang="en-US" dirty="0"/>
+              <a:t> het </a:t>
+            </a:r>
+            <a:r>
+              <a:rPr lang="en-US" dirty="0" err="1"/>
+              <a:t>publiek</a:t>
+            </a:r>
+            <a:r>
+              <a:rPr lang="en-US" dirty="0"/>
+              <a:t> </a:t>
+            </a:r>
+            <a:r>
+              <a:rPr lang="en-US" dirty="0" err="1"/>
+              <a:t>naar</a:t>
+            </a:r>
+            <a:r>
+              <a:rPr lang="en-US" dirty="0"/>
+              <a:t> </a:t>
+            </a:r>
+            <a:r>
+              <a:rPr lang="en-US" dirty="0" err="1"/>
+              <a:t>kijkt</a:t>
+            </a:r>
+            <a:r>
+              <a:rPr lang="en-US" dirty="0"/>
+              <a:t>, </a:t>
+            </a:r>
+            <a:r>
+              <a:rPr lang="en-US" dirty="0" err="1"/>
+              <a:t>dus</a:t>
+            </a:r>
+            <a:r>
+              <a:rPr lang="en-US" dirty="0"/>
+              <a:t> </a:t>
+            </a:r>
+            <a:r>
+              <a:rPr lang="en-US" dirty="0" err="1"/>
+              <a:t>elke</a:t>
+            </a:r>
+            <a:r>
+              <a:rPr lang="en-US" dirty="0"/>
+              <a:t> axis </a:t>
+            </a:r>
+            <a:r>
+              <a:rPr lang="en-US" dirty="0" err="1"/>
+              <a:t>snel</a:t>
+            </a:r>
+            <a:r>
+              <a:rPr lang="en-US" dirty="0"/>
+              <a:t> </a:t>
+            </a:r>
+            <a:r>
+              <a:rPr lang="en-US" dirty="0" err="1"/>
+              <a:t>doornemen</a:t>
+            </a:r>
+            <a:endParaRPr lang="en-US" dirty="0"/>
+          </a:p>
+          <a:p>
+            <a:endParaRPr lang="en-US" dirty="0"/>
+          </a:p>
+          <a:p>
+            <a:r>
+              <a:rPr lang="en-US" dirty="0" err="1"/>
+              <a:t>Bied</a:t>
+            </a:r>
+            <a:r>
+              <a:rPr lang="en-US" dirty="0"/>
+              <a:t> excuses </a:t>
+            </a:r>
+            <a:r>
+              <a:rPr lang="en-US" dirty="0" err="1"/>
+              <a:t>aan</a:t>
+            </a:r>
+            <a:r>
+              <a:rPr lang="en-US" dirty="0"/>
+              <a:t> </a:t>
+            </a:r>
+            <a:r>
+              <a:rPr lang="en-US" dirty="0" err="1"/>
+              <a:t>dat</a:t>
+            </a:r>
+            <a:r>
+              <a:rPr lang="en-US" dirty="0"/>
+              <a:t> we </a:t>
+            </a:r>
+            <a:r>
+              <a:rPr lang="en-US" dirty="0" err="1"/>
+              <a:t>niet</a:t>
+            </a:r>
+            <a:r>
+              <a:rPr lang="en-US" dirty="0"/>
+              <a:t> </a:t>
+            </a:r>
+            <a:r>
+              <a:rPr lang="en-US" dirty="0" err="1"/>
+              <a:t>alle</a:t>
+            </a:r>
+            <a:r>
+              <a:rPr lang="en-US" dirty="0"/>
+              <a:t> </a:t>
+            </a:r>
+            <a:r>
+              <a:rPr lang="en-US" dirty="0" err="1"/>
+              <a:t>waardes</a:t>
+            </a:r>
+            <a:r>
+              <a:rPr lang="en-US" dirty="0"/>
+              <a:t> </a:t>
+            </a:r>
+            <a:r>
+              <a:rPr lang="en-US" dirty="0" err="1"/>
+              <a:t>hebben</a:t>
+            </a:r>
+            <a:r>
+              <a:rPr lang="en-US" dirty="0"/>
+              <a:t> </a:t>
+            </a:r>
+            <a:r>
+              <a:rPr lang="en-US" dirty="0" err="1"/>
+              <a:t>ingevuld</a:t>
+            </a:r>
+            <a:r>
+              <a:rPr lang="en-US" dirty="0"/>
+              <a:t> in de </a:t>
+            </a:r>
+            <a:r>
+              <a:rPr lang="en-US" dirty="0" err="1"/>
+              <a:t>grafiek</a:t>
+            </a:r>
+            <a:r>
+              <a:rPr lang="en-US" dirty="0"/>
+              <a:t>, maar </a:t>
+            </a:r>
+            <a:r>
+              <a:rPr lang="en-US" dirty="0" err="1"/>
+              <a:t>dat</a:t>
+            </a:r>
+            <a:r>
+              <a:rPr lang="en-US" dirty="0"/>
+              <a:t> het </a:t>
+            </a:r>
+            <a:r>
+              <a:rPr lang="en-US" dirty="0" err="1"/>
+              <a:t>belangrijkst</a:t>
+            </a:r>
+            <a:r>
+              <a:rPr lang="en-US" dirty="0"/>
+              <a:t> is </a:t>
+            </a:r>
+            <a:r>
+              <a:rPr lang="en-US" dirty="0" err="1"/>
+              <a:t>dat</a:t>
+            </a:r>
+            <a:r>
+              <a:rPr lang="en-US" dirty="0"/>
+              <a:t> de </a:t>
+            </a:r>
+            <a:r>
+              <a:rPr lang="en-US" dirty="0" err="1"/>
+              <a:t>waardes</a:t>
+            </a:r>
+            <a:r>
+              <a:rPr lang="en-US" dirty="0"/>
+              <a:t> significant </a:t>
+            </a:r>
+            <a:r>
+              <a:rPr lang="en-US" dirty="0" err="1"/>
+              <a:t>dalen</a:t>
+            </a:r>
+            <a:r>
+              <a:rPr lang="en-US" dirty="0"/>
+              <a:t> </a:t>
+            </a:r>
+            <a:r>
+              <a:rPr lang="en-US" dirty="0" err="1"/>
+              <a:t>bij</a:t>
+            </a:r>
+            <a:r>
+              <a:rPr lang="en-US" dirty="0"/>
+              <a:t> </a:t>
+            </a:r>
+            <a:r>
+              <a:rPr lang="en-US" dirty="0" err="1"/>
+              <a:t>elke</a:t>
+            </a:r>
+            <a:r>
+              <a:rPr lang="en-US" dirty="0"/>
+              <a:t> </a:t>
+            </a:r>
+            <a:r>
+              <a:rPr lang="en-US" dirty="0" err="1"/>
+              <a:t>stap</a:t>
+            </a:r>
+            <a:endParaRPr lang="en-US" dirty="0"/>
+          </a:p>
+          <a:p>
             <a:endParaRPr lang="nl-NL" dirty="0"/>
           </a:p>
         </p:txBody>
@@ -631,6 +1025,184 @@
             <a:fld id="{7E89BABF-119A-4ABA-81FB-ADE9A0136724}" type="slidenum">
               <a:rPr lang="nl-NL" smtClean="0"/>
               <a:t>13</a:t>
+            </a:fld>
+            <a:endParaRPr lang="nl-NL"/>
+          </a:p>
+        </p:txBody>
+      </p:sp>
+    </p:spTree>
+    <p:extLst>
+      <p:ext uri="{BB962C8B-B14F-4D97-AF65-F5344CB8AC3E}">
+        <p14:creationId xmlns:p14="http://schemas.microsoft.com/office/powerpoint/2010/main" val="1816020723"/>
+      </p:ext>
+    </p:extLst>
+  </p:cSld>
+  <p:clrMapOvr>
+    <a:masterClrMapping/>
+  </p:clrMapOvr>
+</p:notes>
+</file>
+
+<file path=ppt/notesSlides/notesSlide12.xml><?xml version="1.0" encoding="utf-8"?>
+<p:notes xmlns:a="http://schemas.openxmlformats.org/drawingml/2006/main" xmlns:r="http://schemas.openxmlformats.org/officeDocument/2006/relationships" xmlns:p="http://schemas.openxmlformats.org/presentationml/2006/main">
+  <p:cSld>
+    <p:spTree>
+      <p:nvGrpSpPr>
+        <p:cNvPr id="1" name=""/>
+        <p:cNvGrpSpPr/>
+        <p:nvPr/>
+      </p:nvGrpSpPr>
+      <p:grpSpPr>
+        <a:xfrm>
+          <a:off x="0" y="0"/>
+          <a:ext cx="0" cy="0"/>
+          <a:chOff x="0" y="0"/>
+          <a:chExt cx="0" cy="0"/>
+        </a:xfrm>
+      </p:grpSpPr>
+      <p:sp>
+        <p:nvSpPr>
+          <p:cNvPr id="2" name="Slide Image Placeholder 1"/>
+          <p:cNvSpPr>
+            <a:spLocks noGrp="1" noRot="1" noChangeAspect="1"/>
+          </p:cNvSpPr>
+          <p:nvPr>
+            <p:ph type="sldImg"/>
+          </p:nvPr>
+        </p:nvSpPr>
+        <p:spPr/>
+      </p:sp>
+      <p:sp>
+        <p:nvSpPr>
+          <p:cNvPr id="3" name="Notes Placeholder 2"/>
+          <p:cNvSpPr>
+            <a:spLocks noGrp="1"/>
+          </p:cNvSpPr>
+          <p:nvPr>
+            <p:ph type="body" idx="1"/>
+          </p:nvPr>
+        </p:nvSpPr>
+        <p:spPr/>
+        <p:txBody>
+          <a:bodyPr/>
+          <a:lstStyle/>
+          <a:p>
+            <a:r>
+              <a:rPr lang="en-US" dirty="0"/>
+              <a:t>Future</a:t>
+            </a:r>
+          </a:p>
+          <a:p>
+            <a:pPr marL="171450" indent="-171450">
+              <a:buFontTx/>
+              <a:buChar char="-"/>
+            </a:pPr>
+            <a:r>
+              <a:rPr lang="en-US" dirty="0"/>
+              <a:t>Hillclimb </a:t>
+            </a:r>
+            <a:r>
+              <a:rPr lang="en-US" dirty="0" err="1"/>
+              <a:t>batterijen</a:t>
+            </a:r>
+            <a:endParaRPr lang="en-US" dirty="0"/>
+          </a:p>
+          <a:p>
+            <a:pPr marL="171450" indent="-171450">
+              <a:buFontTx/>
+              <a:buChar char="-"/>
+            </a:pPr>
+            <a:r>
+              <a:rPr lang="en-US" dirty="0"/>
+              <a:t>Meer bounds </a:t>
+            </a:r>
+            <a:r>
+              <a:rPr lang="en-US" dirty="0" err="1"/>
+              <a:t>aan</a:t>
+            </a:r>
+            <a:r>
+              <a:rPr lang="en-US" dirty="0"/>
+              <a:t> branch n bound</a:t>
+            </a:r>
+          </a:p>
+          <a:p>
+            <a:pPr marL="171450" indent="-171450">
+              <a:buFontTx/>
+              <a:buChar char="-"/>
+            </a:pPr>
+            <a:r>
+              <a:rPr lang="en-US" dirty="0" err="1"/>
+              <a:t>Elegantere</a:t>
+            </a:r>
+            <a:r>
+              <a:rPr lang="en-US" dirty="0"/>
+              <a:t> </a:t>
+            </a:r>
+            <a:r>
+              <a:rPr lang="en-US" dirty="0" err="1"/>
+              <a:t>manier</a:t>
+            </a:r>
+            <a:r>
+              <a:rPr lang="en-US" dirty="0"/>
+              <a:t> om </a:t>
+            </a:r>
+            <a:r>
+              <a:rPr lang="en-US" dirty="0" err="1"/>
+              <a:t>batterij</a:t>
+            </a:r>
+            <a:r>
+              <a:rPr lang="en-US" dirty="0"/>
+              <a:t> type </a:t>
+            </a:r>
+            <a:r>
+              <a:rPr lang="en-US" dirty="0" err="1"/>
+              <a:t>te</a:t>
+            </a:r>
+            <a:r>
+              <a:rPr lang="en-US" dirty="0"/>
+              <a:t> </a:t>
+            </a:r>
+            <a:r>
+              <a:rPr lang="en-US" dirty="0" err="1"/>
+              <a:t>bepalen</a:t>
+            </a:r>
+            <a:endParaRPr lang="en-US" dirty="0"/>
+          </a:p>
+          <a:p>
+            <a:pPr marL="171450" indent="-171450">
+              <a:buFontTx/>
+              <a:buChar char="-"/>
+            </a:pPr>
+            <a:r>
+              <a:rPr lang="en-US" dirty="0" err="1"/>
+              <a:t>Clusteren</a:t>
+            </a:r>
+            <a:r>
+              <a:rPr lang="en-US" dirty="0"/>
+              <a:t> met k-means</a:t>
+            </a:r>
+            <a:endParaRPr lang="nl-NL" dirty="0"/>
+          </a:p>
+        </p:txBody>
+      </p:sp>
+      <p:sp>
+        <p:nvSpPr>
+          <p:cNvPr id="4" name="Slide Number Placeholder 3"/>
+          <p:cNvSpPr>
+            <a:spLocks noGrp="1"/>
+          </p:cNvSpPr>
+          <p:nvPr>
+            <p:ph type="sldNum" sz="quarter" idx="5"/>
+          </p:nvPr>
+        </p:nvSpPr>
+        <p:spPr/>
+        <p:txBody>
+          <a:bodyPr/>
+          <a:lstStyle/>
+          <a:p>
+            <a:fld id="{7E89BABF-119A-4ABA-81FB-ADE9A0136724}" type="slidenum">
+              <a:rPr lang="nl-NL" smtClean="0"/>
+              <a:t>14</a:t>
             </a:fld>
             <a:endParaRPr lang="nl-NL"/>
           </a:p>
@@ -693,34 +1265,7 @@
           <a:bodyPr/>
           <a:lstStyle/>
           <a:p>
-            <a:r>
-              <a:rPr lang="en-GB" dirty="0"/>
-              <a:t>Relocate </a:t>
-            </a:r>
-            <a:r>
-              <a:rPr lang="en-GB" dirty="0" err="1"/>
-              <a:t>en</a:t>
-            </a:r>
-            <a:r>
-              <a:rPr lang="en-GB" dirty="0"/>
-              <a:t> Configure </a:t>
-            </a:r>
-            <a:r>
-              <a:rPr lang="en-GB" dirty="0" err="1"/>
-              <a:t>mogelijk</a:t>
-            </a:r>
-            <a:r>
-              <a:rPr lang="en-GB" dirty="0"/>
-              <a:t> </a:t>
-            </a:r>
-            <a:r>
-              <a:rPr lang="en-GB" dirty="0" err="1"/>
-              <a:t>uitleggen</a:t>
-            </a:r>
-            <a:r>
-              <a:rPr lang="en-GB" dirty="0"/>
-              <a:t>?</a:t>
-            </a:r>
+            <a:endParaRPr lang="en-GB" dirty="0"/>
           </a:p>
         </p:txBody>
       </p:sp>
@@ -804,10 +1349,6 @@
           <a:bodyPr/>
           <a:lstStyle/>
           <a:p>
-            <a:r>
-              <a:rPr lang="en-US" dirty="0" err="1"/>
-              <a:t>zebaz</a:t>
-            </a:r>
             <a:endParaRPr lang="nl-NL" dirty="0"/>
           </a:p>
         </p:txBody>
@@ -892,10 +1433,6 @@
           <a:bodyPr/>
           <a:lstStyle/>
           <a:p>
-            <a:r>
-              <a:rPr lang="en-US" dirty="0" err="1"/>
-              <a:t>jul</a:t>
-            </a:r>
             <a:endParaRPr lang="nl-NL" dirty="0"/>
           </a:p>
         </p:txBody>
@@ -917,7 +1454,7 @@
           <a:p>
             <a:fld id="{7E89BABF-119A-4ABA-81FB-ADE9A0136724}" type="slidenum">
               <a:rPr lang="nl-NL" smtClean="0"/>
-              <a:t>5</a:t>
+              <a:t>6</a:t>
             </a:fld>
             <a:endParaRPr lang="nl-NL"/>
           </a:p>
@@ -980,10 +1517,6 @@
           <a:bodyPr/>
           <a:lstStyle/>
           <a:p>
-            <a:r>
-              <a:rPr lang="en-US" dirty="0" err="1"/>
-              <a:t>jul</a:t>
-            </a:r>
             <a:endParaRPr lang="nl-NL" dirty="0"/>
           </a:p>
         </p:txBody>
@@ -1005,7 +1538,7 @@
           <a:p>
             <a:fld id="{7E89BABF-119A-4ABA-81FB-ADE9A0136724}" type="slidenum">
               <a:rPr lang="nl-NL" smtClean="0"/>
-              <a:t>6</a:t>
+              <a:t>7</a:t>
             </a:fld>
             <a:endParaRPr lang="nl-NL"/>
           </a:p>
@@ -1070,7 +1603,39 @@
           <a:p>
             <a:r>
               <a:rPr lang="en-US" dirty="0" err="1"/>
-              <a:t>jul</a:t>
+              <a:t>Wijzen</a:t>
+            </a:r>
+            <a:r>
+              <a:rPr lang="en-US" dirty="0"/>
+              <a:t> </a:t>
+            </a:r>
+            <a:r>
+              <a:rPr lang="en-US" dirty="0" err="1"/>
+              <a:t>naar</a:t>
+            </a:r>
+            <a:r>
+              <a:rPr lang="en-US" dirty="0"/>
+              <a:t> Plaatje </a:t>
+            </a:r>
+            <a:r>
+              <a:rPr lang="en-US" dirty="0" err="1"/>
+              <a:t>wanneer</a:t>
+            </a:r>
+            <a:r>
+              <a:rPr lang="en-US" dirty="0"/>
+              <a:t> je over </a:t>
+            </a:r>
+            <a:r>
+              <a:rPr lang="en-US" dirty="0" err="1"/>
+              <a:t>variaties</a:t>
+            </a:r>
+            <a:r>
+              <a:rPr lang="en-US" dirty="0"/>
+              <a:t> </a:t>
+            </a:r>
+            <a:r>
+              <a:rPr lang="en-US" dirty="0" err="1"/>
+              <a:t>praat</a:t>
             </a:r>
             <a:endParaRPr lang="nl-NL" dirty="0"/>
           </a:p>
@@ -1093,7 +1658,7 @@
           <a:p>
             <a:fld id="{7E89BABF-119A-4ABA-81FB-ADE9A0136724}" type="slidenum">
               <a:rPr lang="nl-NL" smtClean="0"/>
-              <a:t>7</a:t>
+              <a:t>8</a:t>
             </a:fld>
             <a:endParaRPr lang="nl-NL"/>
           </a:p>
@@ -1158,7 +1723,85 @@
           <a:p>
             <a:r>
               <a:rPr lang="en-US" dirty="0" err="1"/>
-              <a:t>jul</a:t>
+              <a:t>Vertellen</a:t>
+            </a:r>
+            <a:r>
+              <a:rPr lang="en-US" dirty="0"/>
+              <a:t> </a:t>
+            </a:r>
+            <a:r>
+              <a:rPr lang="en-US" dirty="0" err="1"/>
+              <a:t>dat</a:t>
+            </a:r>
+            <a:r>
+              <a:rPr lang="en-US" dirty="0"/>
+              <a:t> </a:t>
+            </a:r>
+            <a:r>
+              <a:rPr lang="en-US" dirty="0" err="1"/>
+              <a:t>alle</a:t>
+            </a:r>
+            <a:r>
+              <a:rPr lang="en-US" dirty="0"/>
+              <a:t> </a:t>
+            </a:r>
+            <a:r>
+              <a:rPr lang="en-US" dirty="0" err="1"/>
+              <a:t>batterij</a:t>
+            </a:r>
+            <a:r>
+              <a:rPr lang="en-US" dirty="0"/>
+              <a:t> sets nu </a:t>
+            </a:r>
+            <a:r>
+              <a:rPr lang="en-US" dirty="0" err="1"/>
+              <a:t>meer</a:t>
+            </a:r>
+            <a:r>
+              <a:rPr lang="en-US" dirty="0"/>
+              <a:t> dan 5 </a:t>
+            </a:r>
+            <a:r>
+              <a:rPr lang="en-US" dirty="0" err="1"/>
+              <a:t>batterijen</a:t>
+            </a:r>
+            <a:r>
+              <a:rPr lang="en-US" dirty="0"/>
+              <a:t> </a:t>
+            </a:r>
+            <a:r>
+              <a:rPr lang="en-US" dirty="0" err="1"/>
+              <a:t>betreft</a:t>
+            </a:r>
+            <a:endParaRPr lang="en-US" dirty="0"/>
+          </a:p>
+          <a:p>
+            <a:endParaRPr lang="en-US" dirty="0"/>
+          </a:p>
+          <a:p>
+            <a:r>
+              <a:rPr lang="en-US" dirty="0"/>
+              <a:t>FCK, </a:t>
+            </a:r>
+            <a:r>
+              <a:rPr lang="en-US" dirty="0" err="1"/>
+              <a:t>heb</a:t>
+            </a:r>
+            <a:r>
+              <a:rPr lang="en-US" dirty="0"/>
+              <a:t> 2e zin </a:t>
+            </a:r>
+            <a:r>
+              <a:rPr lang="en-US" dirty="0" err="1"/>
+              <a:t>niet</a:t>
+            </a:r>
+            <a:r>
+              <a:rPr lang="en-US" dirty="0"/>
+              <a:t> </a:t>
+            </a:r>
+            <a:r>
+              <a:rPr lang="en-US" dirty="0" err="1"/>
+              <a:t>vertaald</a:t>
             </a:r>
             <a:endParaRPr lang="nl-NL" dirty="0"/>
           </a:p>
@@ -1181,7 +1824,7 @@
           <a:p>
             <a:fld id="{7E89BABF-119A-4ABA-81FB-ADE9A0136724}" type="slidenum">
               <a:rPr lang="nl-NL" smtClean="0"/>
-              <a:t>8</a:t>
+              <a:t>9</a:t>
             </a:fld>
             <a:endParaRPr lang="nl-NL"/>
           </a:p>
@@ -1244,6 +1887,50 @@
           <a:bodyPr/>
           <a:lstStyle/>
           <a:p>
+            <a:r>
+              <a:rPr lang="en-US" dirty="0" err="1"/>
+              <a:t>Vertellen</a:t>
+            </a:r>
+            <a:r>
+              <a:rPr lang="en-US" dirty="0"/>
+              <a:t> over hoe elk </a:t>
+            </a:r>
+            <a:r>
+              <a:rPr lang="en-US" dirty="0" err="1"/>
+              <a:t>deel</a:t>
+            </a:r>
+            <a:r>
+              <a:rPr lang="en-US" dirty="0"/>
+              <a:t> de </a:t>
+            </a:r>
+            <a:r>
+              <a:rPr lang="en-US" dirty="0" err="1"/>
+              <a:t>batterijen</a:t>
+            </a:r>
+            <a:r>
+              <a:rPr lang="en-US" dirty="0"/>
+              <a:t> netter </a:t>
+            </a:r>
+            <a:r>
+              <a:rPr lang="en-US" dirty="0" err="1"/>
+              <a:t>en</a:t>
+            </a:r>
+            <a:r>
+              <a:rPr lang="en-US" dirty="0"/>
+              <a:t> de </a:t>
+            </a:r>
+            <a:r>
+              <a:rPr lang="en-US" dirty="0" err="1"/>
+              <a:t>huizen</a:t>
+            </a:r>
+            <a:r>
+              <a:rPr lang="en-US" dirty="0"/>
+              <a:t> netter </a:t>
+            </a:r>
+            <a:r>
+              <a:rPr lang="en-US" dirty="0" err="1"/>
+              <a:t>verdeeld</a:t>
+            </a:r>
             <a:endParaRPr lang="nl-NL" dirty="0"/>
           </a:p>
         </p:txBody>
@@ -1265,7 +1952,7 @@
           <a:p>
             <a:fld id="{7E89BABF-119A-4ABA-81FB-ADE9A0136724}" type="slidenum">
               <a:rPr lang="nl-NL" smtClean="0"/>
-              <a:t>9</a:t>
+              <a:t>10</a:t>
             </a:fld>
             <a:endParaRPr lang="nl-NL"/>
           </a:p>
@@ -1376,6 +2063,131 @@
               <a:rPr lang="en-US" dirty="0" err="1"/>
               <a:t>wordt</a:t>
             </a:r>
+            <a:endParaRPr lang="en-US" dirty="0"/>
+          </a:p>
+          <a:p>
+            <a:endParaRPr lang="en-US" dirty="0"/>
+          </a:p>
+          <a:p>
+            <a:r>
+              <a:rPr lang="en-US" dirty="0" err="1"/>
+              <a:t>Vertel</a:t>
+            </a:r>
+            <a:r>
+              <a:rPr lang="en-US" dirty="0"/>
+              <a:t> lower </a:t>
+            </a:r>
+            <a:r>
+              <a:rPr lang="en-US" dirty="0" err="1"/>
+              <a:t>en</a:t>
+            </a:r>
+            <a:r>
+              <a:rPr lang="en-US" dirty="0"/>
+              <a:t> upper bounds</a:t>
+            </a:r>
+          </a:p>
+          <a:p>
+            <a:endParaRPr lang="en-US" dirty="0"/>
+          </a:p>
+          <a:p>
+            <a:r>
+              <a:rPr lang="en-US" dirty="0"/>
+              <a:t>Upper bound is in </a:t>
+            </a:r>
+            <a:r>
+              <a:rPr lang="en-US" dirty="0" err="1"/>
+              <a:t>deze</a:t>
+            </a:r>
+            <a:r>
+              <a:rPr lang="en-US" dirty="0"/>
+              <a:t> </a:t>
+            </a:r>
+            <a:r>
+              <a:rPr lang="en-US" dirty="0" err="1"/>
+              <a:t>grafiek</a:t>
+            </a:r>
+            <a:r>
+              <a:rPr lang="en-US" dirty="0"/>
+              <a:t> </a:t>
+            </a:r>
+            <a:r>
+              <a:rPr lang="en-US" dirty="0" err="1"/>
+              <a:t>gedefinieerd</a:t>
+            </a:r>
+            <a:r>
+              <a:rPr lang="en-US" dirty="0"/>
+              <a:t> </a:t>
+            </a:r>
+            <a:r>
+              <a:rPr lang="en-US" dirty="0" err="1"/>
+              <a:t>alsde</a:t>
+            </a:r>
+            <a:r>
+              <a:rPr lang="en-US" dirty="0"/>
+              <a:t> </a:t>
+            </a:r>
+            <a:r>
+              <a:rPr lang="en-US" dirty="0" err="1"/>
+              <a:t>gemiddelde</a:t>
+            </a:r>
+            <a:r>
+              <a:rPr lang="en-US" dirty="0"/>
+              <a:t> </a:t>
+            </a:r>
+            <a:r>
+              <a:rPr lang="en-US" dirty="0" err="1"/>
+              <a:t>resultaat</a:t>
+            </a:r>
+            <a:r>
+              <a:rPr lang="en-US" dirty="0"/>
+              <a:t> van de random </a:t>
+            </a:r>
+            <a:r>
+              <a:rPr lang="en-US" dirty="0" err="1"/>
+              <a:t>algoritme</a:t>
+            </a:r>
+            <a:endParaRPr lang="en-US" dirty="0"/>
+          </a:p>
+          <a:p>
+            <a:endParaRPr lang="en-US" dirty="0"/>
+          </a:p>
+          <a:p>
+            <a:r>
+              <a:rPr lang="en-US" dirty="0" err="1"/>
+              <a:t>Vertel</a:t>
+            </a:r>
+            <a:r>
+              <a:rPr lang="en-US" dirty="0"/>
+              <a:t> </a:t>
+            </a:r>
+            <a:r>
+              <a:rPr lang="en-US" dirty="0" err="1"/>
+              <a:t>dat</a:t>
+            </a:r>
+            <a:r>
+              <a:rPr lang="en-US" dirty="0"/>
+              <a:t> de </a:t>
+            </a:r>
+            <a:r>
+              <a:rPr lang="en-US" dirty="0" err="1"/>
+              <a:t>telkens</a:t>
+            </a:r>
+            <a:r>
+              <a:rPr lang="en-US" dirty="0"/>
+              <a:t> hillclimber het </a:t>
+            </a:r>
+            <a:r>
+              <a:rPr lang="en-US" dirty="0" err="1"/>
+              <a:t>beste</a:t>
+            </a:r>
+            <a:r>
+              <a:rPr lang="en-US" dirty="0"/>
+              <a:t> </a:t>
+            </a:r>
+            <a:r>
+              <a:rPr lang="en-US" dirty="0" err="1"/>
+              <a:t>presteert</a:t>
+            </a:r>
             <a:endParaRPr lang="nl-NL" dirty="0"/>
           </a:p>
         </p:txBody>
@@ -1397,7 +2209,7 @@
           <a:p>
             <a:fld id="{7E89BABF-119A-4ABA-81FB-ADE9A0136724}" type="slidenum">
               <a:rPr lang="nl-NL" smtClean="0"/>
-              <a:t>10</a:t>
+              <a:t>11</a:t>
             </a:fld>
             <a:endParaRPr lang="nl-NL"/>
           </a:p>
@@ -2138,7 +2950,7 @@
           <a:p>
             <a:fld id="{54B23AA8-82A9-4536-B9F0-059096C040AC}" type="datetimeFigureOut">
               <a:rPr lang="nl-NL" smtClean="0"/>
-              <a:t>17-12-2018</a:t>
+              <a:t>18-12-2018</a:t>
             </a:fld>
             <a:endParaRPr lang="nl-NL"/>
           </a:p>
@@ -2389,7 +3201,7 @@
           <a:p>
             <a:fld id="{54B23AA8-82A9-4536-B9F0-059096C040AC}" type="datetimeFigureOut">
               <a:rPr lang="nl-NL" smtClean="0"/>
-              <a:t>17-12-2018</a:t>
+              <a:t>18-12-2018</a:t>
             </a:fld>
             <a:endParaRPr lang="nl-NL"/>
           </a:p>
@@ -2703,7 +3515,7 @@
           <a:p>
             <a:fld id="{54B23AA8-82A9-4536-B9F0-059096C040AC}" type="datetimeFigureOut">
               <a:rPr lang="nl-NL" smtClean="0"/>
-              <a:t>17-12-2018</a:t>
+              <a:t>18-12-2018</a:t>
             </a:fld>
             <a:endParaRPr lang="nl-NL"/>
           </a:p>
@@ -3044,7 +3856,7 @@
           <a:p>
             <a:fld id="{54B23AA8-82A9-4536-B9F0-059096C040AC}" type="datetimeFigureOut">
               <a:rPr lang="nl-NL" smtClean="0"/>
-              <a:t>17-12-2018</a:t>
+              <a:t>18-12-2018</a:t>
             </a:fld>
             <a:endParaRPr lang="nl-NL"/>
           </a:p>
@@ -3358,7 +4170,7 @@
           <a:p>
             <a:fld id="{54B23AA8-82A9-4536-B9F0-059096C040AC}" type="datetimeFigureOut">
               <a:rPr lang="nl-NL" smtClean="0"/>
-              <a:t>17-12-2018</a:t>
+              <a:t>18-12-2018</a:t>
             </a:fld>
             <a:endParaRPr lang="nl-NL"/>
           </a:p>
@@ -3751,7 +4563,7 @@
           <a:p>
             <a:fld id="{54B23AA8-82A9-4536-B9F0-059096C040AC}" type="datetimeFigureOut">
               <a:rPr lang="nl-NL" smtClean="0"/>
-              <a:t>17-12-2018</a:t>
+              <a:t>18-12-2018</a:t>
             </a:fld>
             <a:endParaRPr lang="nl-NL"/>
           </a:p>
@@ -3921,7 +4733,7 @@
           <a:p>
             <a:fld id="{54B23AA8-82A9-4536-B9F0-059096C040AC}" type="datetimeFigureOut">
               <a:rPr lang="nl-NL" smtClean="0"/>
-              <a:t>17-12-2018</a:t>
+              <a:t>18-12-2018</a:t>
             </a:fld>
             <a:endParaRPr lang="nl-NL"/>
           </a:p>
@@ -4101,7 +4913,7 @@
           <a:p>
             <a:fld id="{54B23AA8-82A9-4536-B9F0-059096C040AC}" type="datetimeFigureOut">
               <a:rPr lang="nl-NL" smtClean="0"/>
-              <a:t>17-12-2018</a:t>
+              <a:t>18-12-2018</a:t>
             </a:fld>
             <a:endParaRPr lang="nl-NL"/>
           </a:p>
@@ -4277,7 +5089,7 @@
           <a:p>
             <a:fld id="{54B23AA8-82A9-4536-B9F0-059096C040AC}" type="datetimeFigureOut">
               <a:rPr lang="nl-NL" smtClean="0"/>
-              <a:t>17-12-2018</a:t>
+              <a:t>18-12-2018</a:t>
             </a:fld>
             <a:endParaRPr lang="nl-NL"/>
           </a:p>
@@ -4524,7 +5336,7 @@
           <a:p>
             <a:fld id="{54B23AA8-82A9-4536-B9F0-059096C040AC}" type="datetimeFigureOut">
               <a:rPr lang="nl-NL" smtClean="0"/>
-              <a:t>17-12-2018</a:t>
+              <a:t>18-12-2018</a:t>
             </a:fld>
             <a:endParaRPr lang="nl-NL"/>
           </a:p>
@@ -4756,7 +5568,7 @@
           <a:p>
             <a:fld id="{54B23AA8-82A9-4536-B9F0-059096C040AC}" type="datetimeFigureOut">
               <a:rPr lang="nl-NL" smtClean="0"/>
-              <a:t>17-12-2018</a:t>
+              <a:t>18-12-2018</a:t>
             </a:fld>
             <a:endParaRPr lang="nl-NL"/>
           </a:p>
@@ -5130,7 +5942,7 @@
           <a:p>
             <a:fld id="{54B23AA8-82A9-4536-B9F0-059096C040AC}" type="datetimeFigureOut">
               <a:rPr lang="nl-NL" smtClean="0"/>
-              <a:t>17-12-2018</a:t>
+              <a:t>18-12-2018</a:t>
             </a:fld>
             <a:endParaRPr lang="nl-NL"/>
           </a:p>
@@ -5253,7 +6065,7 @@
           <a:p>
             <a:fld id="{54B23AA8-82A9-4536-B9F0-059096C040AC}" type="datetimeFigureOut">
               <a:rPr lang="nl-NL" smtClean="0"/>
-              <a:t>17-12-2018</a:t>
+              <a:t>18-12-2018</a:t>
             </a:fld>
             <a:endParaRPr lang="nl-NL"/>
           </a:p>
@@ -5348,7 +6160,7 @@
           <a:p>
             <a:fld id="{54B23AA8-82A9-4536-B9F0-059096C040AC}" type="datetimeFigureOut">
               <a:rPr lang="nl-NL" smtClean="0"/>
-              <a:t>17-12-2018</a:t>
+              <a:t>18-12-2018</a:t>
             </a:fld>
             <a:endParaRPr lang="nl-NL"/>
           </a:p>
@@ -5603,7 +6415,7 @@
           <a:p>
             <a:fld id="{54B23AA8-82A9-4536-B9F0-059096C040AC}" type="datetimeFigureOut">
               <a:rPr lang="nl-NL" smtClean="0"/>
-              <a:t>17-12-2018</a:t>
+              <a:t>18-12-2018</a:t>
             </a:fld>
             <a:endParaRPr lang="nl-NL"/>
           </a:p>
@@ -5866,7 +6678,7 @@
           <a:p>
             <a:fld id="{54B23AA8-82A9-4536-B9F0-059096C040AC}" type="datetimeFigureOut">
               <a:rPr lang="nl-NL" smtClean="0"/>
-              <a:t>17-12-2018</a:t>
+              <a:t>18-12-2018</a:t>
             </a:fld>
             <a:endParaRPr lang="nl-NL"/>
           </a:p>
@@ -6609,7 +7421,7 @@
           <a:p>
             <a:fld id="{54B23AA8-82A9-4536-B9F0-059096C040AC}" type="datetimeFigureOut">
               <a:rPr lang="nl-NL" smtClean="0"/>
-              <a:t>17-12-2018</a:t>
+              <a:t>18-12-2018</a:t>
             </a:fld>
             <a:endParaRPr lang="nl-NL"/>
           </a:p>
@@ -7213,6 +8025,339 @@
 </file>
 
 <file path=ppt/slides/slide10.xml><?xml version="1.0" encoding="utf-8"?>
+<p:sld xmlns:a="http://schemas.openxmlformats.org/drawingml/2006/main" xmlns:r="http://schemas.openxmlformats.org/officeDocument/2006/relationships" xmlns:p="http://schemas.openxmlformats.org/presentationml/2006/main">
+  <p:cSld>
+    <p:spTree>
+      <p:nvGrpSpPr>
+        <p:cNvPr id="1" name=""/>
+        <p:cNvGrpSpPr/>
+        <p:nvPr/>
+      </p:nvGrpSpPr>
+      <p:grpSpPr>
+        <a:xfrm>
+          <a:off x="0" y="0"/>
+          <a:ext cx="0" cy="0"/>
+          <a:chOff x="0" y="0"/>
+          <a:chExt cx="0" cy="0"/>
+        </a:xfrm>
+      </p:grpSpPr>
+      <p:sp>
+        <p:nvSpPr>
+          <p:cNvPr id="2" name="Title 1">
+            <a:extLst>
+              <a:ext uri="{FF2B5EF4-FFF2-40B4-BE49-F238E27FC236}">
+                <a16:creationId xmlns:a16="http://schemas.microsoft.com/office/drawing/2014/main" id="{E9BEB15B-362D-4762-9470-C6DE7B23A411}"/>
+              </a:ext>
+            </a:extLst>
+          </p:cNvPr>
+          <p:cNvSpPr>
+            <a:spLocks noGrp="1"/>
+          </p:cNvSpPr>
+          <p:nvPr>
+            <p:ph type="title"/>
+          </p:nvPr>
+        </p:nvSpPr>
+        <p:spPr>
+          <a:xfrm>
+            <a:off x="1506289" y="352135"/>
+            <a:ext cx="8596668" cy="1320800"/>
+          </a:xfrm>
+        </p:spPr>
+        <p:txBody>
+          <a:bodyPr/>
+          <a:lstStyle/>
+          <a:p>
+            <a:pPr algn="ctr"/>
+            <a:r>
+              <a:rPr lang="en-US" dirty="0"/>
+              <a:t>Result per battery set-up</a:t>
+            </a:r>
+            <a:endParaRPr lang="nl-NL" dirty="0"/>
+          </a:p>
+        </p:txBody>
+      </p:sp>
+      <p:sp>
+        <p:nvSpPr>
+          <p:cNvPr id="3" name="Content Placeholder 2">
+            <a:extLst>
+              <a:ext uri="{FF2B5EF4-FFF2-40B4-BE49-F238E27FC236}">
+                <a16:creationId xmlns:a16="http://schemas.microsoft.com/office/drawing/2014/main" id="{AECBFFA0-032D-401E-9278-05037866ABD8}"/>
+              </a:ext>
+            </a:extLst>
+          </p:cNvPr>
+          <p:cNvSpPr>
+            <a:spLocks noGrp="1"/>
+          </p:cNvSpPr>
+          <p:nvPr>
+            <p:ph idx="1"/>
+          </p:nvPr>
+        </p:nvSpPr>
+        <p:spPr/>
+        <p:txBody>
+          <a:bodyPr/>
+          <a:lstStyle/>
+          <a:p>
+            <a:endParaRPr lang="nl-NL" dirty="0"/>
+          </a:p>
+        </p:txBody>
+      </p:sp>
+      <p:pic>
+        <p:nvPicPr>
+          <p:cNvPr id="5" name="Picture 4">
+            <a:extLst>
+              <a:ext uri="{FF2B5EF4-FFF2-40B4-BE49-F238E27FC236}">
+                <a16:creationId xmlns:a16="http://schemas.microsoft.com/office/drawing/2014/main" id="{807CDC8B-08A3-4F20-8B12-C0540905C7A1}"/>
+              </a:ext>
+            </a:extLst>
+          </p:cNvPr>
+          <p:cNvPicPr>
+            <a:picLocks noChangeAspect="1"/>
+          </p:cNvPicPr>
+          <p:nvPr/>
+        </p:nvPicPr>
+        <p:blipFill rotWithShape="1">
+          <a:blip r:embed="rId3"/>
+          <a:srcRect l="12431" t="10673" r="10354" b="10281"/>
+          <a:stretch/>
+        </p:blipFill>
+        <p:spPr>
+          <a:xfrm>
+            <a:off x="184398" y="2303362"/>
+            <a:ext cx="3554225" cy="2728842"/>
+          </a:xfrm>
+          <a:prstGeom prst="rect">
+            <a:avLst/>
+          </a:prstGeom>
+        </p:spPr>
+      </p:pic>
+      <p:pic>
+        <p:nvPicPr>
+          <p:cNvPr id="7" name="Picture 6">
+            <a:extLst>
+              <a:ext uri="{FF2B5EF4-FFF2-40B4-BE49-F238E27FC236}">
+                <a16:creationId xmlns:a16="http://schemas.microsoft.com/office/drawing/2014/main" id="{44C8C776-0BE1-41FF-98FB-D6A4BE56C7BF}"/>
+              </a:ext>
+            </a:extLst>
+          </p:cNvPr>
+          <p:cNvPicPr>
+            <a:picLocks noChangeAspect="1"/>
+          </p:cNvPicPr>
+          <p:nvPr/>
+        </p:nvPicPr>
+        <p:blipFill rotWithShape="1">
+          <a:blip r:embed="rId4"/>
+          <a:srcRect l="11859" t="12267" r="9545" b="11260"/>
+          <a:stretch/>
+        </p:blipFill>
+        <p:spPr>
+          <a:xfrm>
+            <a:off x="3865148" y="2225181"/>
+            <a:ext cx="3878950" cy="2807023"/>
+          </a:xfrm>
+          <a:prstGeom prst="rect">
+            <a:avLst/>
+          </a:prstGeom>
+        </p:spPr>
+      </p:pic>
+      <p:pic>
+        <p:nvPicPr>
+          <p:cNvPr id="9" name="Picture 8">
+            <a:extLst>
+              <a:ext uri="{FF2B5EF4-FFF2-40B4-BE49-F238E27FC236}">
+                <a16:creationId xmlns:a16="http://schemas.microsoft.com/office/drawing/2014/main" id="{3D4A5B45-4507-403E-A1D8-F2262366656C}"/>
+              </a:ext>
+            </a:extLst>
+          </p:cNvPr>
+          <p:cNvPicPr>
+            <a:picLocks noChangeAspect="1"/>
+          </p:cNvPicPr>
+          <p:nvPr/>
+        </p:nvPicPr>
+        <p:blipFill rotWithShape="1">
+          <a:blip r:embed="rId5"/>
+          <a:srcRect l="11807" t="10378" r="6666"/>
+          <a:stretch/>
+        </p:blipFill>
+        <p:spPr>
+          <a:xfrm>
+            <a:off x="8014336" y="2160589"/>
+            <a:ext cx="3996988" cy="3267938"/>
+          </a:xfrm>
+          <a:prstGeom prst="rect">
+            <a:avLst/>
+          </a:prstGeom>
+        </p:spPr>
+      </p:pic>
+      <p:sp>
+        <p:nvSpPr>
+          <p:cNvPr id="10" name="TextBox 9">
+            <a:extLst>
+              <a:ext uri="{FF2B5EF4-FFF2-40B4-BE49-F238E27FC236}">
+                <a16:creationId xmlns:a16="http://schemas.microsoft.com/office/drawing/2014/main" id="{4A05C337-ECD3-4A21-AA23-F999D9F8BC5D}"/>
+              </a:ext>
+            </a:extLst>
+          </p:cNvPr>
+          <p:cNvSpPr txBox="1"/>
+          <p:nvPr/>
+        </p:nvSpPr>
+        <p:spPr>
+          <a:xfrm>
+            <a:off x="610665" y="5574564"/>
+            <a:ext cx="2701690" cy="715089"/>
+          </a:xfrm>
+          <a:prstGeom prst="roundRect">
+            <a:avLst/>
+          </a:prstGeom>
+          <a:solidFill>
+            <a:schemeClr val="accent1">
+              <a:lumMod val="20000"/>
+              <a:lumOff val="80000"/>
+            </a:schemeClr>
+          </a:solidFill>
+        </p:spPr>
+        <p:txBody>
+          <a:bodyPr wrap="square" rtlCol="0">
+            <a:spAutoFit/>
+          </a:bodyPr>
+          <a:lstStyle/>
+          <a:p>
+            <a:pPr algn="ctr"/>
+            <a:r>
+              <a:rPr lang="nl-NL" dirty="0"/>
+              <a:t>Deel 1+2:</a:t>
+            </a:r>
+          </a:p>
+          <a:p>
+            <a:pPr algn="ctr"/>
+            <a:r>
+              <a:rPr lang="nl-NL" dirty="0"/>
+              <a:t>Vaste batterij locaties</a:t>
+            </a:r>
+          </a:p>
+        </p:txBody>
+      </p:sp>
+      <p:sp>
+        <p:nvSpPr>
+          <p:cNvPr id="11" name="TextBox 10">
+            <a:extLst>
+              <a:ext uri="{FF2B5EF4-FFF2-40B4-BE49-F238E27FC236}">
+                <a16:creationId xmlns:a16="http://schemas.microsoft.com/office/drawing/2014/main" id="{D7C4890F-E04E-4899-93A0-1178431421CE}"/>
+              </a:ext>
+            </a:extLst>
+          </p:cNvPr>
+          <p:cNvSpPr txBox="1"/>
+          <p:nvPr/>
+        </p:nvSpPr>
+        <p:spPr>
+          <a:xfrm>
+            <a:off x="4335471" y="5574565"/>
+            <a:ext cx="2701690" cy="715089"/>
+          </a:xfrm>
+          <a:prstGeom prst="roundRect">
+            <a:avLst/>
+          </a:prstGeom>
+          <a:solidFill>
+            <a:schemeClr val="accent1">
+              <a:lumMod val="20000"/>
+              <a:lumOff val="80000"/>
+            </a:schemeClr>
+          </a:solidFill>
+        </p:spPr>
+        <p:txBody>
+          <a:bodyPr wrap="square" rtlCol="0">
+            <a:spAutoFit/>
+          </a:bodyPr>
+          <a:lstStyle/>
+          <a:p>
+            <a:pPr algn="ctr"/>
+            <a:r>
+              <a:rPr lang="nl-NL" dirty="0"/>
+              <a:t>Deel</a:t>
+            </a:r>
+            <a:r>
+              <a:rPr lang="en-US" dirty="0"/>
+              <a:t> 3: </a:t>
+            </a:r>
+            <a:br>
+              <a:rPr lang="en-US" dirty="0"/>
+            </a:br>
+            <a:r>
+              <a:rPr lang="nl-NL" dirty="0"/>
+              <a:t>verplaatste</a:t>
+            </a:r>
+            <a:r>
+              <a:rPr lang="en-US" dirty="0"/>
+              <a:t> </a:t>
+            </a:r>
+            <a:r>
+              <a:rPr lang="nl-NL" dirty="0"/>
+              <a:t>batterijen</a:t>
+            </a:r>
+          </a:p>
+        </p:txBody>
+      </p:sp>
+      <p:sp>
+        <p:nvSpPr>
+          <p:cNvPr id="12" name="TextBox 11">
+            <a:extLst>
+              <a:ext uri="{FF2B5EF4-FFF2-40B4-BE49-F238E27FC236}">
+                <a16:creationId xmlns:a16="http://schemas.microsoft.com/office/drawing/2014/main" id="{E76BD28D-4BE2-47BC-B79B-4B312857E9A2}"/>
+              </a:ext>
+            </a:extLst>
+          </p:cNvPr>
+          <p:cNvSpPr txBox="1"/>
+          <p:nvPr/>
+        </p:nvSpPr>
+        <p:spPr>
+          <a:xfrm>
+            <a:off x="8423638" y="5579468"/>
+            <a:ext cx="3178383" cy="715089"/>
+          </a:xfrm>
+          <a:prstGeom prst="roundRect">
+            <a:avLst/>
+          </a:prstGeom>
+          <a:solidFill>
+            <a:schemeClr val="accent1">
+              <a:lumMod val="20000"/>
+              <a:lumOff val="80000"/>
+            </a:schemeClr>
+          </a:solidFill>
+        </p:spPr>
+        <p:txBody>
+          <a:bodyPr wrap="square" rtlCol="0">
+            <a:spAutoFit/>
+          </a:bodyPr>
+          <a:lstStyle/>
+          <a:p>
+            <a:pPr algn="ctr"/>
+            <a:r>
+              <a:rPr lang="nl-NL" dirty="0"/>
+              <a:t>Deel 4:</a:t>
+            </a:r>
+          </a:p>
+          <a:p>
+            <a:pPr algn="ctr"/>
+            <a:r>
+              <a:rPr lang="nl-NL" dirty="0"/>
+              <a:t>Reconfiguratie batterijen</a:t>
+            </a:r>
+          </a:p>
+        </p:txBody>
+      </p:sp>
+    </p:spTree>
+    <p:extLst>
+      <p:ext uri="{BB962C8B-B14F-4D97-AF65-F5344CB8AC3E}">
+        <p14:creationId xmlns:p14="http://schemas.microsoft.com/office/powerpoint/2010/main" val="2664346310"/>
+      </p:ext>
+    </p:extLst>
+  </p:cSld>
+  <p:clrMapOvr>
+    <a:masterClrMapping/>
+  </p:clrMapOvr>
+</p:sld>
+</file>
+
+<file path=ppt/slides/slide11.xml><?xml version="1.0" encoding="utf-8"?>
 <p:sld xmlns:a="http://schemas.openxmlformats.org/drawingml/2006/main" xmlns:r="http://schemas.openxmlformats.org/officeDocument/2006/relationships" xmlns:p="http://schemas.openxmlformats.org/presentationml/2006/main">
   <p:cSld>
     <p:bg>
@@ -8038,7 +9183,7 @@
 </p:sld>
 </file>
 
-<file path=ppt/slides/slide11.xml><?xml version="1.0" encoding="utf-8"?>
+<file path=ppt/slides/slide12.xml><?xml version="1.0" encoding="utf-8"?>
 <p:sld xmlns:a="http://schemas.openxmlformats.org/drawingml/2006/main" xmlns:r="http://schemas.openxmlformats.org/officeDocument/2006/relationships" xmlns:p="http://schemas.openxmlformats.org/presentationml/2006/main">
   <p:cSld>
     <p:spTree>
@@ -8496,7 +9641,7 @@
           <p:nvPr/>
         </p:nvPicPr>
         <p:blipFill>
-          <a:blip r:embed="rId2"/>
+          <a:blip r:embed="rId3"/>
           <a:stretch>
             <a:fillRect/>
           </a:stretch>
@@ -8524,7 +9669,7 @@
 </p:sld>
 </file>
 
-<file path=ppt/slides/slide12.xml><?xml version="1.0" encoding="utf-8"?>
+<file path=ppt/slides/slide13.xml><?xml version="1.0" encoding="utf-8"?>
 <p:sld xmlns:a="http://schemas.openxmlformats.org/drawingml/2006/main" xmlns:r="http://schemas.openxmlformats.org/officeDocument/2006/relationships" xmlns:p="http://schemas.openxmlformats.org/presentationml/2006/main">
   <p:cSld>
     <p:spTree>
@@ -10309,7 +11454,7 @@
 </p:sld>
 </file>
 
-<file path=ppt/slides/slide13.xml><?xml version="1.0" encoding="utf-8"?>
+<file path=ppt/slides/slide14.xml><?xml version="1.0" encoding="utf-8"?>
 <p:sld xmlns:a="http://schemas.openxmlformats.org/drawingml/2006/main" xmlns:r="http://schemas.openxmlformats.org/officeDocument/2006/relationships" xmlns:p="http://schemas.openxmlformats.org/presentationml/2006/main">
   <p:cSld>
     <p:spTree>
@@ -11244,6 +12389,90 @@
 </file>
 
 <file path=ppt/slides/slide5.xml><?xml version="1.0" encoding="utf-8"?>
+<p:sld xmlns:a="http://schemas.openxmlformats.org/drawingml/2006/main" xmlns:r="http://schemas.openxmlformats.org/officeDocument/2006/relationships" xmlns:p="http://schemas.openxmlformats.org/presentationml/2006/main">
+  <p:cSld>
+    <p:spTree>
+      <p:nvGrpSpPr>
+        <p:cNvPr id="1" name=""/>
+        <p:cNvGrpSpPr/>
+        <p:nvPr/>
+      </p:nvGrpSpPr>
+      <p:grpSpPr>
+        <a:xfrm>
+          <a:off x="0" y="0"/>
+          <a:ext cx="0" cy="0"/>
+          <a:chOff x="0" y="0"/>
+          <a:chExt cx="0" cy="0"/>
+        </a:xfrm>
+      </p:grpSpPr>
+      <p:sp>
+        <p:nvSpPr>
+          <p:cNvPr id="2" name="Title 1">
+            <a:extLst>
+              <a:ext uri="{FF2B5EF4-FFF2-40B4-BE49-F238E27FC236}">
+                <a16:creationId xmlns:a16="http://schemas.microsoft.com/office/drawing/2014/main" id="{6C7E2960-6AB2-4305-89A6-15541D61E0C4}"/>
+              </a:ext>
+            </a:extLst>
+          </p:cNvPr>
+          <p:cNvSpPr>
+            <a:spLocks noGrp="1"/>
+          </p:cNvSpPr>
+          <p:nvPr>
+            <p:ph type="title"/>
+          </p:nvPr>
+        </p:nvSpPr>
+        <p:spPr/>
+        <p:txBody>
+          <a:bodyPr/>
+          <a:lstStyle/>
+          <a:p>
+            <a:r>
+              <a:rPr lang="en-US" dirty="0"/>
+              <a:t>Bounds</a:t>
+            </a:r>
+            <a:endParaRPr lang="nl-NL" dirty="0"/>
+          </a:p>
+        </p:txBody>
+      </p:sp>
+      <p:sp>
+        <p:nvSpPr>
+          <p:cNvPr id="3" name="Content Placeholder 2">
+            <a:extLst>
+              <a:ext uri="{FF2B5EF4-FFF2-40B4-BE49-F238E27FC236}">
+                <a16:creationId xmlns:a16="http://schemas.microsoft.com/office/drawing/2014/main" id="{387BF5F0-109F-477C-A4FC-74D5CF4E04B9}"/>
+              </a:ext>
+            </a:extLst>
+          </p:cNvPr>
+          <p:cNvSpPr>
+            <a:spLocks noGrp="1"/>
+          </p:cNvSpPr>
+          <p:nvPr>
+            <p:ph idx="1"/>
+          </p:nvPr>
+        </p:nvSpPr>
+        <p:spPr/>
+        <p:txBody>
+          <a:bodyPr/>
+          <a:lstStyle/>
+          <a:p>
+            <a:endParaRPr lang="nl-NL"/>
+          </a:p>
+        </p:txBody>
+      </p:sp>
+    </p:spTree>
+    <p:extLst>
+      <p:ext uri="{BB962C8B-B14F-4D97-AF65-F5344CB8AC3E}">
+        <p14:creationId xmlns:p14="http://schemas.microsoft.com/office/powerpoint/2010/main" val="2087767665"/>
+      </p:ext>
+    </p:extLst>
+  </p:cSld>
+  <p:clrMapOvr>
+    <a:masterClrMapping/>
+  </p:clrMapOvr>
+</p:sld>
+</file>
+
+<file path=ppt/slides/slide6.xml><?xml version="1.0" encoding="utf-8"?>
 <p:sld xmlns:a="http://schemas.openxmlformats.org/drawingml/2006/main" xmlns:r="http://schemas.openxmlformats.org/officeDocument/2006/relationships" xmlns:p="http://schemas.openxmlformats.org/presentationml/2006/main">
   <p:cSld>
     <p:spTree>
@@ -11568,7 +12797,7 @@
 </p:sld>
 </file>
 
-<file path=ppt/slides/slide6.xml><?xml version="1.0" encoding="utf-8"?>
+<file path=ppt/slides/slide7.xml><?xml version="1.0" encoding="utf-8"?>
 <p:sld xmlns:a="http://schemas.openxmlformats.org/drawingml/2006/main" xmlns:r="http://schemas.openxmlformats.org/officeDocument/2006/relationships" xmlns:p="http://schemas.openxmlformats.org/presentationml/2006/main">
   <p:cSld>
     <p:spTree>
@@ -11896,7 +13125,7 @@
 </p:sld>
 </file>
 
-<file path=ppt/slides/slide7.xml><?xml version="1.0" encoding="utf-8"?>
+<file path=ppt/slides/slide8.xml><?xml version="1.0" encoding="utf-8"?>
 <p:sld xmlns:a="http://schemas.openxmlformats.org/drawingml/2006/main" xmlns:r="http://schemas.openxmlformats.org/officeDocument/2006/relationships" xmlns:p="http://schemas.openxmlformats.org/presentationml/2006/main">
   <p:cSld>
     <p:spTree>
@@ -12051,7 +13280,7 @@
 </p:sld>
 </file>
 
-<file path=ppt/slides/slide8.xml><?xml version="1.0" encoding="utf-8"?>
+<file path=ppt/slides/slide9.xml><?xml version="1.0" encoding="utf-8"?>
 <p:sld xmlns:a="http://schemas.openxmlformats.org/drawingml/2006/main" xmlns:r="http://schemas.openxmlformats.org/officeDocument/2006/relationships" xmlns:p="http://schemas.openxmlformats.org/presentationml/2006/main">
   <p:cSld>
     <p:spTree>
@@ -12221,339 +13450,6 @@
     <p:extLst>
       <p:ext uri="{BB962C8B-B14F-4D97-AF65-F5344CB8AC3E}">
         <p14:creationId xmlns:p14="http://schemas.microsoft.com/office/powerpoint/2010/main" val="2993335839"/>
-      </p:ext>
-    </p:extLst>
-  </p:cSld>
-  <p:clrMapOvr>
-    <a:masterClrMapping/>
-  </p:clrMapOvr>
-</p:sld>
-</file>
-
-<file path=ppt/slides/slide9.xml><?xml version="1.0" encoding="utf-8"?>
-<p:sld xmlns:a="http://schemas.openxmlformats.org/drawingml/2006/main" xmlns:r="http://schemas.openxmlformats.org/officeDocument/2006/relationships" xmlns:p="http://schemas.openxmlformats.org/presentationml/2006/main">
-  <p:cSld>
-    <p:spTree>
-      <p:nvGrpSpPr>
-        <p:cNvPr id="1" name=""/>
-        <p:cNvGrpSpPr/>
-        <p:nvPr/>
-      </p:nvGrpSpPr>
-      <p:grpSpPr>
-        <a:xfrm>
-          <a:off x="0" y="0"/>
-          <a:ext cx="0" cy="0"/>
-          <a:chOff x="0" y="0"/>
-          <a:chExt cx="0" cy="0"/>
-        </a:xfrm>
-      </p:grpSpPr>
-      <p:sp>
-        <p:nvSpPr>
-          <p:cNvPr id="2" name="Title 1">
-            <a:extLst>
-              <a:ext uri="{FF2B5EF4-FFF2-40B4-BE49-F238E27FC236}">
-                <a16:creationId xmlns:a16="http://schemas.microsoft.com/office/drawing/2014/main" id="{E9BEB15B-362D-4762-9470-C6DE7B23A411}"/>
-              </a:ext>
-            </a:extLst>
-          </p:cNvPr>
-          <p:cNvSpPr>
-            <a:spLocks noGrp="1"/>
-          </p:cNvSpPr>
-          <p:nvPr>
-            <p:ph type="title"/>
-          </p:nvPr>
-        </p:nvSpPr>
-        <p:spPr>
-          <a:xfrm>
-            <a:off x="1506289" y="352135"/>
-            <a:ext cx="8596668" cy="1320800"/>
-          </a:xfrm>
-        </p:spPr>
-        <p:txBody>
-          <a:bodyPr/>
-          <a:lstStyle/>
-          <a:p>
-            <a:pPr algn="ctr"/>
-            <a:r>
-              <a:rPr lang="en-US" dirty="0"/>
-              <a:t>Result per battery set-up</a:t>
-            </a:r>
-            <a:endParaRPr lang="nl-NL" dirty="0"/>
-          </a:p>
-        </p:txBody>
-      </p:sp>
-      <p:sp>
-        <p:nvSpPr>
-          <p:cNvPr id="3" name="Content Placeholder 2">
-            <a:extLst>
-              <a:ext uri="{FF2B5EF4-FFF2-40B4-BE49-F238E27FC236}">
-                <a16:creationId xmlns:a16="http://schemas.microsoft.com/office/drawing/2014/main" id="{AECBFFA0-032D-401E-9278-05037866ABD8}"/>
-              </a:ext>
-            </a:extLst>
-          </p:cNvPr>
-          <p:cNvSpPr>
-            <a:spLocks noGrp="1"/>
-          </p:cNvSpPr>
-          <p:nvPr>
-            <p:ph idx="1"/>
-          </p:nvPr>
-        </p:nvSpPr>
-        <p:spPr/>
-        <p:txBody>
-          <a:bodyPr/>
-          <a:lstStyle/>
-          <a:p>
-            <a:endParaRPr lang="nl-NL" dirty="0"/>
-          </a:p>
-        </p:txBody>
-      </p:sp>
-      <p:pic>
-        <p:nvPicPr>
-          <p:cNvPr id="5" name="Picture 4">
-            <a:extLst>
-              <a:ext uri="{FF2B5EF4-FFF2-40B4-BE49-F238E27FC236}">
-                <a16:creationId xmlns:a16="http://schemas.microsoft.com/office/drawing/2014/main" id="{807CDC8B-08A3-4F20-8B12-C0540905C7A1}"/>
-              </a:ext>
-            </a:extLst>
-          </p:cNvPr>
-          <p:cNvPicPr>
-            <a:picLocks noChangeAspect="1"/>
-          </p:cNvPicPr>
-          <p:nvPr/>
-        </p:nvPicPr>
-        <p:blipFill rotWithShape="1">
-          <a:blip r:embed="rId3"/>
-          <a:srcRect l="12431" t="10673" r="10354" b="10281"/>
-          <a:stretch/>
-        </p:blipFill>
-        <p:spPr>
-          <a:xfrm>
-            <a:off x="184398" y="2303362"/>
-            <a:ext cx="3554225" cy="2728842"/>
-          </a:xfrm>
-          <a:prstGeom prst="rect">
-            <a:avLst/>
-          </a:prstGeom>
-        </p:spPr>
-      </p:pic>
-      <p:pic>
-        <p:nvPicPr>
-          <p:cNvPr id="7" name="Picture 6">
-            <a:extLst>
-              <a:ext uri="{FF2B5EF4-FFF2-40B4-BE49-F238E27FC236}">
-                <a16:creationId xmlns:a16="http://schemas.microsoft.com/office/drawing/2014/main" id="{44C8C776-0BE1-41FF-98FB-D6A4BE56C7BF}"/>
-              </a:ext>
-            </a:extLst>
-          </p:cNvPr>
-          <p:cNvPicPr>
-            <a:picLocks noChangeAspect="1"/>
-          </p:cNvPicPr>
-          <p:nvPr/>
-        </p:nvPicPr>
-        <p:blipFill rotWithShape="1">
-          <a:blip r:embed="rId4"/>
-          <a:srcRect l="11859" t="12267" r="9545" b="11260"/>
-          <a:stretch/>
-        </p:blipFill>
-        <p:spPr>
-          <a:xfrm>
-            <a:off x="3865148" y="2225181"/>
-            <a:ext cx="3878950" cy="2807023"/>
-          </a:xfrm>
-          <a:prstGeom prst="rect">
-            <a:avLst/>
-          </a:prstGeom>
-        </p:spPr>
-      </p:pic>
-      <p:pic>
-        <p:nvPicPr>
-          <p:cNvPr id="9" name="Picture 8">
-            <a:extLst>
-              <a:ext uri="{FF2B5EF4-FFF2-40B4-BE49-F238E27FC236}">
-                <a16:creationId xmlns:a16="http://schemas.microsoft.com/office/drawing/2014/main" id="{3D4A5B45-4507-403E-A1D8-F2262366656C}"/>
-              </a:ext>
-            </a:extLst>
-          </p:cNvPr>
-          <p:cNvPicPr>
-            <a:picLocks noChangeAspect="1"/>
-          </p:cNvPicPr>
-          <p:nvPr/>
-        </p:nvPicPr>
-        <p:blipFill rotWithShape="1">
-          <a:blip r:embed="rId5"/>
-          <a:srcRect l="11807" t="10378" r="6666"/>
-          <a:stretch/>
-        </p:blipFill>
-        <p:spPr>
-          <a:xfrm>
-            <a:off x="8014336" y="2160589"/>
-            <a:ext cx="3996988" cy="3267938"/>
-          </a:xfrm>
-          <a:prstGeom prst="rect">
-            <a:avLst/>
-          </a:prstGeom>
-        </p:spPr>
-      </p:pic>
-      <p:sp>
-        <p:nvSpPr>
-          <p:cNvPr id="10" name="TextBox 9">
-            <a:extLst>
-              <a:ext uri="{FF2B5EF4-FFF2-40B4-BE49-F238E27FC236}">
-                <a16:creationId xmlns:a16="http://schemas.microsoft.com/office/drawing/2014/main" id="{4A05C337-ECD3-4A21-AA23-F999D9F8BC5D}"/>
-              </a:ext>
-            </a:extLst>
-          </p:cNvPr>
-          <p:cNvSpPr txBox="1"/>
-          <p:nvPr/>
-        </p:nvSpPr>
-        <p:spPr>
-          <a:xfrm>
-            <a:off x="610665" y="5574564"/>
-            <a:ext cx="2701690" cy="715089"/>
-          </a:xfrm>
-          <a:prstGeom prst="roundRect">
-            <a:avLst/>
-          </a:prstGeom>
-          <a:solidFill>
-            <a:schemeClr val="accent1">
-              <a:lumMod val="20000"/>
-              <a:lumOff val="80000"/>
-            </a:schemeClr>
-          </a:solidFill>
-        </p:spPr>
-        <p:txBody>
-          <a:bodyPr wrap="square" rtlCol="0">
-            <a:spAutoFit/>
-          </a:bodyPr>
-          <a:lstStyle/>
-          <a:p>
-            <a:pPr algn="ctr"/>
-            <a:r>
-              <a:rPr lang="nl-NL" dirty="0"/>
-              <a:t>Deel 1+2:</a:t>
-            </a:r>
-          </a:p>
-          <a:p>
-            <a:pPr algn="ctr"/>
-            <a:r>
-              <a:rPr lang="nl-NL" dirty="0"/>
-              <a:t>Vaste batterij locaties</a:t>
-            </a:r>
-          </a:p>
-        </p:txBody>
-      </p:sp>
-      <p:sp>
-        <p:nvSpPr>
-          <p:cNvPr id="11" name="TextBox 10">
-            <a:extLst>
-              <a:ext uri="{FF2B5EF4-FFF2-40B4-BE49-F238E27FC236}">
-                <a16:creationId xmlns:a16="http://schemas.microsoft.com/office/drawing/2014/main" id="{D7C4890F-E04E-4899-93A0-1178431421CE}"/>
-              </a:ext>
-            </a:extLst>
-          </p:cNvPr>
-          <p:cNvSpPr txBox="1"/>
-          <p:nvPr/>
-        </p:nvSpPr>
-        <p:spPr>
-          <a:xfrm>
-            <a:off x="4335471" y="5574565"/>
-            <a:ext cx="2701690" cy="715089"/>
-          </a:xfrm>
-          <a:prstGeom prst="roundRect">
-            <a:avLst/>
-          </a:prstGeom>
-          <a:solidFill>
-            <a:schemeClr val="accent1">
-              <a:lumMod val="20000"/>
-              <a:lumOff val="80000"/>
-            </a:schemeClr>
-          </a:solidFill>
-        </p:spPr>
-        <p:txBody>
-          <a:bodyPr wrap="square" rtlCol="0">
-            <a:spAutoFit/>
-          </a:bodyPr>
-          <a:lstStyle/>
-          <a:p>
-            <a:pPr algn="ctr"/>
-            <a:r>
-              <a:rPr lang="nl-NL" dirty="0"/>
-              <a:t>Deel</a:t>
-            </a:r>
-            <a:r>
-              <a:rPr lang="en-US" dirty="0"/>
-              <a:t> 3: </a:t>
-            </a:r>
-            <a:br>
-              <a:rPr lang="en-US" dirty="0"/>
-            </a:br>
-            <a:r>
-              <a:rPr lang="nl-NL" dirty="0"/>
-              <a:t>verplaatste</a:t>
-            </a:r>
-            <a:r>
-              <a:rPr lang="en-US" dirty="0"/>
-              <a:t> </a:t>
-            </a:r>
-            <a:r>
-              <a:rPr lang="nl-NL" dirty="0"/>
-              <a:t>batterijen</a:t>
-            </a:r>
-          </a:p>
-        </p:txBody>
-      </p:sp>
-      <p:sp>
-        <p:nvSpPr>
-          <p:cNvPr id="12" name="TextBox 11">
-            <a:extLst>
-              <a:ext uri="{FF2B5EF4-FFF2-40B4-BE49-F238E27FC236}">
-                <a16:creationId xmlns:a16="http://schemas.microsoft.com/office/drawing/2014/main" id="{E76BD28D-4BE2-47BC-B79B-4B312857E9A2}"/>
-              </a:ext>
-            </a:extLst>
-          </p:cNvPr>
-          <p:cNvSpPr txBox="1"/>
-          <p:nvPr/>
-        </p:nvSpPr>
-        <p:spPr>
-          <a:xfrm>
-            <a:off x="8423638" y="5579468"/>
-            <a:ext cx="3178383" cy="715089"/>
-          </a:xfrm>
-          <a:prstGeom prst="roundRect">
-            <a:avLst/>
-          </a:prstGeom>
-          <a:solidFill>
-            <a:schemeClr val="accent1">
-              <a:lumMod val="20000"/>
-              <a:lumOff val="80000"/>
-            </a:schemeClr>
-          </a:solidFill>
-        </p:spPr>
-        <p:txBody>
-          <a:bodyPr wrap="square" rtlCol="0">
-            <a:spAutoFit/>
-          </a:bodyPr>
-          <a:lstStyle/>
-          <a:p>
-            <a:pPr algn="ctr"/>
-            <a:r>
-              <a:rPr lang="nl-NL" dirty="0"/>
-              <a:t>Deel 4:</a:t>
-            </a:r>
-          </a:p>
-          <a:p>
-            <a:pPr algn="ctr"/>
-            <a:r>
-              <a:rPr lang="nl-NL" dirty="0"/>
-              <a:t>Reconfiguratie batterijen</a:t>
-            </a:r>
-          </a:p>
-        </p:txBody>
-      </p:sp>
-    </p:spTree>
-    <p:extLst>
-      <p:ext uri="{BB962C8B-B14F-4D97-AF65-F5344CB8AC3E}">
-        <p14:creationId xmlns:p14="http://schemas.microsoft.com/office/powerpoint/2010/main" val="2664346310"/>
       </p:ext>
     </p:extLst>
   </p:cSld>

--- a/Presentatie Slides JSMR.pptx
+++ b/Presentatie Slides JSMR.pptx
@@ -369,7 +369,7 @@
           <a:p>
             <a:fld id="{7E89BABF-119A-4ABA-81FB-ADE9A0136724}" type="slidenum">
               <a:rPr lang="nl-NL" smtClean="0"/>
-              <a:t>‹#›</a:t>
+              <a:t>‹nr.›</a:t>
             </a:fld>
             <a:endParaRPr lang="nl-NL"/>
           </a:p>
@@ -2992,7 +2992,7 @@
           <a:p>
             <a:fld id="{44C9C919-EFE0-486A-B31F-9367B30F4A27}" type="slidenum">
               <a:rPr lang="nl-NL" smtClean="0"/>
-              <a:t>‹#›</a:t>
+              <a:t>‹nr.›</a:t>
             </a:fld>
             <a:endParaRPr lang="nl-NL"/>
           </a:p>
@@ -3243,7 +3243,7 @@
           <a:p>
             <a:fld id="{44C9C919-EFE0-486A-B31F-9367B30F4A27}" type="slidenum">
               <a:rPr lang="nl-NL" smtClean="0"/>
-              <a:t>‹#›</a:t>
+              <a:t>‹nr.›</a:t>
             </a:fld>
             <a:endParaRPr lang="nl-NL"/>
           </a:p>
@@ -3557,7 +3557,7 @@
           <a:p>
             <a:fld id="{44C9C919-EFE0-486A-B31F-9367B30F4A27}" type="slidenum">
               <a:rPr lang="nl-NL" smtClean="0"/>
-              <a:t>‹#›</a:t>
+              <a:t>‹nr.›</a:t>
             </a:fld>
             <a:endParaRPr lang="nl-NL"/>
           </a:p>
@@ -3898,7 +3898,7 @@
           <a:p>
             <a:fld id="{44C9C919-EFE0-486A-B31F-9367B30F4A27}" type="slidenum">
               <a:rPr lang="nl-NL" smtClean="0"/>
-              <a:t>‹#›</a:t>
+              <a:t>‹nr.›</a:t>
             </a:fld>
             <a:endParaRPr lang="nl-NL"/>
           </a:p>
@@ -4212,7 +4212,7 @@
           <a:p>
             <a:fld id="{44C9C919-EFE0-486A-B31F-9367B30F4A27}" type="slidenum">
               <a:rPr lang="nl-NL" smtClean="0"/>
-              <a:t>‹#›</a:t>
+              <a:t>‹nr.›</a:t>
             </a:fld>
             <a:endParaRPr lang="nl-NL"/>
           </a:p>
@@ -4605,7 +4605,7 @@
           <a:p>
             <a:fld id="{44C9C919-EFE0-486A-B31F-9367B30F4A27}" type="slidenum">
               <a:rPr lang="nl-NL" smtClean="0"/>
-              <a:t>‹#›</a:t>
+              <a:t>‹nr.›</a:t>
             </a:fld>
             <a:endParaRPr lang="nl-NL"/>
           </a:p>
@@ -4775,7 +4775,7 @@
           <a:p>
             <a:fld id="{44C9C919-EFE0-486A-B31F-9367B30F4A27}" type="slidenum">
               <a:rPr lang="nl-NL" smtClean="0"/>
-              <a:t>‹#›</a:t>
+              <a:t>‹nr.›</a:t>
             </a:fld>
             <a:endParaRPr lang="nl-NL"/>
           </a:p>
@@ -4955,7 +4955,7 @@
           <a:p>
             <a:fld id="{44C9C919-EFE0-486A-B31F-9367B30F4A27}" type="slidenum">
               <a:rPr lang="nl-NL" smtClean="0"/>
-              <a:t>‹#›</a:t>
+              <a:t>‹nr.›</a:t>
             </a:fld>
             <a:endParaRPr lang="nl-NL"/>
           </a:p>
@@ -5131,7 +5131,7 @@
           <a:p>
             <a:fld id="{44C9C919-EFE0-486A-B31F-9367B30F4A27}" type="slidenum">
               <a:rPr lang="nl-NL" smtClean="0"/>
-              <a:t>‹#›</a:t>
+              <a:t>‹nr.›</a:t>
             </a:fld>
             <a:endParaRPr lang="nl-NL"/>
           </a:p>
@@ -5378,7 +5378,7 @@
           <a:p>
             <a:fld id="{44C9C919-EFE0-486A-B31F-9367B30F4A27}" type="slidenum">
               <a:rPr lang="nl-NL" smtClean="0"/>
-              <a:t>‹#›</a:t>
+              <a:t>‹nr.›</a:t>
             </a:fld>
             <a:endParaRPr lang="nl-NL"/>
           </a:p>
@@ -5610,7 +5610,7 @@
           <a:p>
             <a:fld id="{44C9C919-EFE0-486A-B31F-9367B30F4A27}" type="slidenum">
               <a:rPr lang="nl-NL" smtClean="0"/>
-              <a:t>‹#›</a:t>
+              <a:t>‹nr.›</a:t>
             </a:fld>
             <a:endParaRPr lang="nl-NL"/>
           </a:p>
@@ -5984,7 +5984,7 @@
           <a:p>
             <a:fld id="{44C9C919-EFE0-486A-B31F-9367B30F4A27}" type="slidenum">
               <a:rPr lang="nl-NL" smtClean="0"/>
-              <a:t>‹#›</a:t>
+              <a:t>‹nr.›</a:t>
             </a:fld>
             <a:endParaRPr lang="nl-NL"/>
           </a:p>
@@ -6107,7 +6107,7 @@
           <a:p>
             <a:fld id="{44C9C919-EFE0-486A-B31F-9367B30F4A27}" type="slidenum">
               <a:rPr lang="nl-NL" smtClean="0"/>
-              <a:t>‹#›</a:t>
+              <a:t>‹nr.›</a:t>
             </a:fld>
             <a:endParaRPr lang="nl-NL"/>
           </a:p>
@@ -6202,7 +6202,7 @@
           <a:p>
             <a:fld id="{44C9C919-EFE0-486A-B31F-9367B30F4A27}" type="slidenum">
               <a:rPr lang="nl-NL" smtClean="0"/>
-              <a:t>‹#›</a:t>
+              <a:t>‹nr.›</a:t>
             </a:fld>
             <a:endParaRPr lang="nl-NL"/>
           </a:p>
@@ -6457,7 +6457,7 @@
           <a:p>
             <a:fld id="{44C9C919-EFE0-486A-B31F-9367B30F4A27}" type="slidenum">
               <a:rPr lang="nl-NL" smtClean="0"/>
-              <a:t>‹#›</a:t>
+              <a:t>‹nr.›</a:t>
             </a:fld>
             <a:endParaRPr lang="nl-NL"/>
           </a:p>
@@ -6720,7 +6720,7 @@
           <a:p>
             <a:fld id="{44C9C919-EFE0-486A-B31F-9367B30F4A27}" type="slidenum">
               <a:rPr lang="nl-NL" smtClean="0"/>
-              <a:t>‹#›</a:t>
+              <a:t>‹nr.›</a:t>
             </a:fld>
             <a:endParaRPr lang="nl-NL"/>
           </a:p>
@@ -7497,7 +7497,7 @@
           <a:p>
             <a:fld id="{44C9C919-EFE0-486A-B31F-9367B30F4A27}" type="slidenum">
               <a:rPr lang="nl-NL" smtClean="0"/>
-              <a:t>‹#›</a:t>
+              <a:t>‹nr.›</a:t>
             </a:fld>
             <a:endParaRPr lang="nl-NL"/>
           </a:p>
@@ -12434,28 +12434,146 @@
           </a:p>
         </p:txBody>
       </p:sp>
-      <p:sp>
-        <p:nvSpPr>
-          <p:cNvPr id="3" name="Content Placeholder 2">
+      <p:pic>
+        <p:nvPicPr>
+          <p:cNvPr id="5" name="Tijdelijke aanduiding voor inhoud 4">
             <a:extLst>
               <a:ext uri="{FF2B5EF4-FFF2-40B4-BE49-F238E27FC236}">
-                <a16:creationId xmlns:a16="http://schemas.microsoft.com/office/drawing/2014/main" id="{387BF5F0-109F-477C-A4FC-74D5CF4E04B9}"/>
+                <a16:creationId xmlns:a16="http://schemas.microsoft.com/office/drawing/2014/main" id="{9698238B-20E1-4A3F-8E5F-D60C972E0747}"/>
               </a:ext>
             </a:extLst>
           </p:cNvPr>
-          <p:cNvSpPr>
-            <a:spLocks noGrp="1"/>
-          </p:cNvSpPr>
+          <p:cNvPicPr>
+            <a:picLocks noGrp="1" noChangeAspect="1"/>
+          </p:cNvPicPr>
           <p:nvPr>
             <p:ph idx="1"/>
           </p:nvPr>
-        </p:nvSpPr>
-        <p:spPr/>
-        <p:txBody>
-          <a:bodyPr/>
+        </p:nvPicPr>
+        <p:blipFill rotWithShape="1">
+          <a:blip r:embed="rId2">
+            <a:extLst>
+              <a:ext uri="{28A0092B-C50C-407E-A947-70E740481C1C}">
+                <a14:useLocalDpi xmlns:a14="http://schemas.microsoft.com/office/drawing/2010/main" val="0"/>
+              </a:ext>
+            </a:extLst>
+          </a:blip>
+          <a:srcRect l="7491" t="10298" r="6037" b="6001"/>
+          <a:stretch/>
+        </p:blipFill>
+        <p:spPr>
+          <a:xfrm>
+            <a:off x="6096000" y="1670488"/>
+            <a:ext cx="5141081" cy="3732227"/>
+          </a:xfrm>
+        </p:spPr>
+      </p:pic>
+      <p:pic>
+        <p:nvPicPr>
+          <p:cNvPr id="7" name="Afbeelding 6">
+            <a:extLst>
+              <a:ext uri="{FF2B5EF4-FFF2-40B4-BE49-F238E27FC236}">
+                <a16:creationId xmlns:a16="http://schemas.microsoft.com/office/drawing/2014/main" id="{0109E1FC-8900-4706-9E01-A184EA1EBABD}"/>
+              </a:ext>
+            </a:extLst>
+          </p:cNvPr>
+          <p:cNvPicPr>
+            <a:picLocks noChangeAspect="1"/>
+          </p:cNvPicPr>
+          <p:nvPr/>
+        </p:nvPicPr>
+        <p:blipFill rotWithShape="1">
+          <a:blip r:embed="rId3">
+            <a:extLst>
+              <a:ext uri="{28A0092B-C50C-407E-A947-70E740481C1C}">
+                <a14:useLocalDpi xmlns:a14="http://schemas.microsoft.com/office/drawing/2010/main" val="0"/>
+              </a:ext>
+            </a:extLst>
+          </a:blip>
+          <a:srcRect l="8326" t="9337" r="8272" b="5331"/>
+          <a:stretch/>
+        </p:blipFill>
+        <p:spPr>
+          <a:xfrm>
+            <a:off x="946256" y="1657355"/>
+            <a:ext cx="4880822" cy="3745360"/>
+          </a:xfrm>
+          <a:prstGeom prst="rect">
+            <a:avLst/>
+          </a:prstGeom>
+        </p:spPr>
+      </p:pic>
+      <p:sp>
+        <p:nvSpPr>
+          <p:cNvPr id="8" name="Tekstvak 7">
+            <a:extLst>
+              <a:ext uri="{FF2B5EF4-FFF2-40B4-BE49-F238E27FC236}">
+                <a16:creationId xmlns:a16="http://schemas.microsoft.com/office/drawing/2014/main" id="{87455892-FDFC-4561-9EF5-84A39D95286E}"/>
+              </a:ext>
+            </a:extLst>
+          </p:cNvPr>
+          <p:cNvSpPr txBox="1"/>
+          <p:nvPr/>
+        </p:nvSpPr>
+        <p:spPr>
+          <a:xfrm>
+            <a:off x="1407260" y="5454127"/>
+            <a:ext cx="3958814" cy="369332"/>
+          </a:xfrm>
+          <a:prstGeom prst="rect">
+            <a:avLst/>
+          </a:prstGeom>
+          <a:noFill/>
+        </p:spPr>
+        <p:txBody>
+          <a:bodyPr wrap="square" rtlCol="0">
+            <a:spAutoFit/>
+          </a:bodyPr>
           <a:lstStyle/>
           <a:p>
-            <a:endParaRPr lang="nl-NL"/>
+            <a:pPr algn="ctr"/>
+            <a:r>
+              <a:rPr lang="en-US" dirty="0"/>
+              <a:t>Absolute lower bound</a:t>
+            </a:r>
+            <a:endParaRPr lang="en-GB" dirty="0"/>
+          </a:p>
+        </p:txBody>
+      </p:sp>
+      <p:sp>
+        <p:nvSpPr>
+          <p:cNvPr id="9" name="Tekstvak 8">
+            <a:extLst>
+              <a:ext uri="{FF2B5EF4-FFF2-40B4-BE49-F238E27FC236}">
+                <a16:creationId xmlns:a16="http://schemas.microsoft.com/office/drawing/2014/main" id="{4F4FD6A7-A475-486F-8B78-98357E1E9143}"/>
+              </a:ext>
+            </a:extLst>
+          </p:cNvPr>
+          <p:cNvSpPr txBox="1"/>
+          <p:nvPr/>
+        </p:nvSpPr>
+        <p:spPr>
+          <a:xfrm>
+            <a:off x="6687133" y="5454127"/>
+            <a:ext cx="3958814" cy="369332"/>
+          </a:xfrm>
+          <a:prstGeom prst="rect">
+            <a:avLst/>
+          </a:prstGeom>
+          <a:noFill/>
+        </p:spPr>
+        <p:txBody>
+          <a:bodyPr wrap="square" rtlCol="0">
+            <a:spAutoFit/>
+          </a:bodyPr>
+          <a:lstStyle/>
+          <a:p>
+            <a:pPr algn="ctr"/>
+            <a:r>
+              <a:rPr lang="en-US" dirty="0"/>
+              <a:t>Absolute upper bound</a:t>
+            </a:r>
+            <a:endParaRPr lang="en-GB" dirty="0"/>
           </a:p>
         </p:txBody>
       </p:sp>
